--- a/Slides/ggl012-Script.pptx
+++ b/Slides/ggl012-Script.pptx
@@ -5,7 +5,7 @@
     <p:sldMasterId id="2147483648" r:id="rId1"/>
   </p:sldMasterIdLst>
   <p:notesMasterIdLst>
-    <p:notesMasterId r:id="rId42"/>
+    <p:notesMasterId r:id="rId44"/>
   </p:notesMasterIdLst>
   <p:sldIdLst>
     <p:sldId id="256" r:id="rId2"/>
@@ -48,6 +48,8 @@
     <p:sldId id="296" r:id="rId39"/>
     <p:sldId id="297" r:id="rId40"/>
     <p:sldId id="299" r:id="rId41"/>
+    <p:sldId id="300" r:id="rId42"/>
+    <p:sldId id="301" r:id="rId43"/>
   </p:sldIdLst>
   <p:sldSz cx="9144000" cy="6858000" type="screen4x3"/>
   <p:notesSz cx="6858000" cy="9144000"/>
@@ -248,7 +250,7 @@
             <a:fld id="{C0D025BB-35D5-419D-8ED2-E5EDB67F143A}" type="datetimeFigureOut">
               <a:rPr lang="en-US" smtClean="0"/>
               <a:pPr/>
-              <a:t>11/22/2019</a:t>
+              <a:t>11/27/2019</a:t>
             </a:fld>
             <a:endParaRPr lang="en-US"/>
           </a:p>
@@ -1246,7 +1248,7 @@
             <a:fld id="{77DAEA1A-6276-4434-840E-9C81C04BC3C1}" type="datetimeFigureOut">
               <a:rPr lang="en-US" smtClean="0"/>
               <a:pPr/>
-              <a:t>11/22/2019</a:t>
+              <a:t>11/27/2019</a:t>
             </a:fld>
             <a:endParaRPr lang="en-US"/>
           </a:p>
@@ -7394,7 +7396,6 @@
               <a:rPr lang="en-US" dirty="0"/>
               <a:t>};</a:t>
             </a:r>
-            <a:endParaRPr lang="en-US" dirty="0"/>
           </a:p>
         </p:txBody>
       </p:sp>
@@ -7555,7 +7556,6 @@
               <a:rPr lang="en-US" dirty="0"/>
               <a:t>};</a:t>
             </a:r>
-            <a:endParaRPr lang="en-US" dirty="0"/>
           </a:p>
         </p:txBody>
       </p:sp>
@@ -7867,7 +7867,6 @@
               <a:rPr lang="en-US" dirty="0"/>
               <a:t>(s0)"</a:t>
             </a:r>
-            <a:endParaRPr lang="en-US" dirty="0"/>
           </a:p>
         </p:txBody>
       </p:sp>
@@ -8060,7 +8059,6 @@
               <a:rPr lang="en-US" dirty="0"/>
               <a:t>}</a:t>
             </a:r>
-            <a:endParaRPr lang="en-US" dirty="0"/>
           </a:p>
         </p:txBody>
       </p:sp>
@@ -8399,7 +8397,6 @@
               <a:rPr lang="en-US" dirty="0"/>
               <a:t>}</a:t>
             </a:r>
-            <a:endParaRPr lang="en-US" dirty="0"/>
           </a:p>
         </p:txBody>
       </p:sp>
@@ -8727,7 +8724,6 @@
               <a:rPr lang="en-US" sz="2400" dirty="0"/>
               <a:t>}</a:t>
             </a:r>
-            <a:endParaRPr lang="en-US" sz="2400" dirty="0"/>
           </a:p>
         </p:txBody>
       </p:sp>
@@ -9031,7 +9027,6 @@
               <a:rPr lang="en-US" sz="2400" dirty="0"/>
               <a:t>}</a:t>
             </a:r>
-            <a:endParaRPr lang="en-US" sz="2400" dirty="0"/>
           </a:p>
         </p:txBody>
       </p:sp>
@@ -10646,6 +10641,368 @@
     <p:extLst>
       <p:ext uri="{BB962C8B-B14F-4D97-AF65-F5344CB8AC3E}">
         <p14:creationId xmlns:p14="http://schemas.microsoft.com/office/powerpoint/2010/main" val="2980488844"/>
+      </p:ext>
+    </p:extLst>
+  </p:cSld>
+  <p:clrMapOvr>
+    <a:masterClrMapping/>
+  </p:clrMapOvr>
+</p:sld>
+</file>
+
+<file path=ppt/slides/slide41.xml><?xml version="1.0" encoding="utf-8"?>
+<p:sld xmlns:a="http://schemas.openxmlformats.org/drawingml/2006/main" xmlns:r="http://schemas.openxmlformats.org/officeDocument/2006/relationships" xmlns:p="http://schemas.openxmlformats.org/presentationml/2006/main">
+  <p:cSld>
+    <p:spTree>
+      <p:nvGrpSpPr>
+        <p:cNvPr id="1" name=""/>
+        <p:cNvGrpSpPr/>
+        <p:nvPr/>
+      </p:nvGrpSpPr>
+      <p:grpSpPr>
+        <a:xfrm>
+          <a:off x="0" y="0"/>
+          <a:ext cx="0" cy="0"/>
+          <a:chOff x="0" y="0"/>
+          <a:chExt cx="0" cy="0"/>
+        </a:xfrm>
+      </p:grpSpPr>
+      <p:sp>
+        <p:nvSpPr>
+          <p:cNvPr id="4" name="Title 3"/>
+          <p:cNvSpPr>
+            <a:spLocks noGrp="1"/>
+          </p:cNvSpPr>
+          <p:nvPr>
+            <p:ph type="title"/>
+          </p:nvPr>
+        </p:nvSpPr>
+        <p:spPr/>
+        <p:txBody>
+          <a:bodyPr/>
+          <a:lstStyle/>
+          <a:p>
+            <a:r>
+              <a:rPr lang="en-US" dirty="0" smtClean="0"/>
+              <a:t>Quad mesh tessellation</a:t>
+            </a:r>
+            <a:endParaRPr lang="en-US" dirty="0"/>
+          </a:p>
+        </p:txBody>
+      </p:sp>
+      <p:sp>
+        <p:nvSpPr>
+          <p:cNvPr id="5" name="Content Placeholder 4"/>
+          <p:cNvSpPr>
+            <a:spLocks noGrp="1"/>
+          </p:cNvSpPr>
+          <p:nvPr>
+            <p:ph idx="1"/>
+          </p:nvPr>
+        </p:nvSpPr>
+        <p:spPr/>
+        <p:txBody>
+          <a:bodyPr/>
+          <a:lstStyle/>
+          <a:p>
+            <a:r>
+              <a:rPr lang="en-US" dirty="0" smtClean="0"/>
+              <a:t>Media/ybranchlow.obj</a:t>
+            </a:r>
+          </a:p>
+          <a:p>
+            <a:pPr marL="0" indent="0">
+              <a:buNone/>
+            </a:pPr>
+            <a:r>
+              <a:rPr lang="en-US" sz="2400" dirty="0" err="1"/>
+              <a:t>multiMeshes.y</a:t>
+            </a:r>
+            <a:r>
+              <a:rPr lang="en-US" sz="2400" dirty="0"/>
+              <a:t> = O:MultiMeshFromFile(_, {file='YbranchLow.obj', topology="patch4", flags={}})</a:t>
+            </a:r>
+          </a:p>
+          <a:p>
+            <a:pPr marL="0" indent="0">
+              <a:buNone/>
+            </a:pPr>
+            <a:endParaRPr lang="en-US" sz="2400" dirty="0" smtClean="0"/>
+          </a:p>
+          <a:p>
+            <a:pPr marL="0" indent="0">
+              <a:buNone/>
+            </a:pPr>
+            <a:r>
+              <a:rPr lang="en-US" sz="2400" dirty="0" smtClean="0"/>
+              <a:t>if </a:t>
+            </a:r>
+            <a:r>
+              <a:rPr lang="en-US" sz="2400" dirty="0"/>
+              <a:t>(topo == "patch4") {</a:t>
+            </a:r>
+          </a:p>
+          <a:p>
+            <a:pPr marL="0" indent="0">
+              <a:buNone/>
+            </a:pPr>
+            <a:r>
+              <a:rPr lang="en-US" sz="2400" dirty="0"/>
+              <a:t>multi-</a:t>
+            </a:r>
+            <a:r>
+              <a:rPr lang="en-US" sz="2400" dirty="0" smtClean="0"/>
+              <a:t>&gt;</a:t>
+            </a:r>
+          </a:p>
+          <a:p>
+            <a:pPr marL="0" indent="0">
+              <a:buNone/>
+            </a:pPr>
+            <a:r>
+              <a:rPr lang="en-US" sz="2400" dirty="0" err="1" smtClean="0"/>
+              <a:t>SetTopology</a:t>
+            </a:r>
+            <a:r>
+              <a:rPr lang="en-US" sz="2400" dirty="0" smtClean="0"/>
+              <a:t>(D3D_PRIMITIVE_TOPOLOGY_4_CONTROL_POINT_PATCHLIST</a:t>
+            </a:r>
+            <a:r>
+              <a:rPr lang="en-US" sz="2400" dirty="0"/>
+              <a:t>);</a:t>
+            </a:r>
+          </a:p>
+          <a:p>
+            <a:pPr marL="0" indent="0">
+              <a:buNone/>
+            </a:pPr>
+            <a:r>
+              <a:rPr lang="en-US" sz="2400" dirty="0"/>
+              <a:t>}</a:t>
+            </a:r>
+          </a:p>
+          <a:p>
+            <a:endParaRPr lang="en-US" dirty="0"/>
+          </a:p>
+        </p:txBody>
+      </p:sp>
+    </p:spTree>
+    <p:extLst>
+      <p:ext uri="{BB962C8B-B14F-4D97-AF65-F5344CB8AC3E}">
+        <p14:creationId xmlns:p14="http://schemas.microsoft.com/office/powerpoint/2010/main" val="1343169813"/>
+      </p:ext>
+    </p:extLst>
+  </p:cSld>
+  <p:clrMapOvr>
+    <a:masterClrMapping/>
+  </p:clrMapOvr>
+</p:sld>
+</file>
+
+<file path=ppt/slides/slide42.xml><?xml version="1.0" encoding="utf-8"?>
+<p:sld xmlns:a="http://schemas.openxmlformats.org/drawingml/2006/main" xmlns:r="http://schemas.openxmlformats.org/officeDocument/2006/relationships" xmlns:p="http://schemas.openxmlformats.org/presentationml/2006/main">
+  <p:cSld>
+    <p:spTree>
+      <p:nvGrpSpPr>
+        <p:cNvPr id="1" name=""/>
+        <p:cNvGrpSpPr/>
+        <p:nvPr/>
+      </p:nvGrpSpPr>
+      <p:grpSpPr>
+        <a:xfrm>
+          <a:off x="0" y="0"/>
+          <a:ext cx="0" cy="0"/>
+          <a:chOff x="0" y="0"/>
+          <a:chExt cx="0" cy="0"/>
+        </a:xfrm>
+      </p:grpSpPr>
+      <p:sp>
+        <p:nvSpPr>
+          <p:cNvPr id="4" name="Title 3"/>
+          <p:cNvSpPr>
+            <a:spLocks noGrp="1"/>
+          </p:cNvSpPr>
+          <p:nvPr>
+            <p:ph type="title"/>
+          </p:nvPr>
+        </p:nvSpPr>
+        <p:spPr/>
+        <p:txBody>
+          <a:bodyPr/>
+          <a:lstStyle/>
+          <a:p>
+            <a:r>
+              <a:rPr lang="en-US" dirty="0" smtClean="0"/>
+              <a:t>Quad mesh tessellation</a:t>
+            </a:r>
+            <a:endParaRPr lang="en-US" dirty="0"/>
+          </a:p>
+        </p:txBody>
+      </p:sp>
+      <p:sp>
+        <p:nvSpPr>
+          <p:cNvPr id="5" name="Content Placeholder 4"/>
+          <p:cNvSpPr>
+            <a:spLocks noGrp="1"/>
+          </p:cNvSpPr>
+          <p:nvPr>
+            <p:ph idx="1"/>
+          </p:nvPr>
+        </p:nvSpPr>
+        <p:spPr/>
+        <p:txBody>
+          <a:bodyPr>
+            <a:normAutofit lnSpcReduction="10000"/>
+          </a:bodyPr>
+          <a:lstStyle/>
+          <a:p>
+            <a:pPr marL="0" indent="0">
+              <a:buNone/>
+            </a:pPr>
+            <a:r>
+              <a:rPr lang="en-US" dirty="0" err="1"/>
+              <a:t>materials.tessQuad</a:t>
+            </a:r>
+            <a:r>
+              <a:rPr lang="en-US" dirty="0"/>
+              <a:t> = O:Material(_, {</a:t>
+            </a:r>
+          </a:p>
+          <a:p>
+            <a:pPr marL="0" indent="0">
+              <a:buNone/>
+            </a:pPr>
+            <a:r>
+              <a:rPr lang="en-US" dirty="0"/>
+              <a:t>wireframe=true,</a:t>
+            </a:r>
+          </a:p>
+          <a:p>
+            <a:pPr marL="0" indent="0">
+              <a:buNone/>
+            </a:pPr>
+            <a:r>
+              <a:rPr lang="en-US" dirty="0"/>
+              <a:t>vs=</a:t>
+            </a:r>
+            <a:r>
+              <a:rPr lang="en-US" dirty="0" err="1"/>
+              <a:t>shaders.tessVs</a:t>
+            </a:r>
+            <a:r>
+              <a:rPr lang="en-US" dirty="0"/>
+              <a:t>,</a:t>
+            </a:r>
+          </a:p>
+          <a:p>
+            <a:pPr marL="0" indent="0">
+              <a:buNone/>
+            </a:pPr>
+            <a:r>
+              <a:rPr lang="en-US" dirty="0" err="1"/>
+              <a:t>hs</a:t>
+            </a:r>
+            <a:r>
+              <a:rPr lang="en-US" dirty="0"/>
+              <a:t>=</a:t>
+            </a:r>
+            <a:r>
+              <a:rPr lang="en-US" dirty="0" err="1"/>
+              <a:t>shaders.</a:t>
+            </a:r>
+            <a:r>
+              <a:rPr lang="en-US" dirty="0" err="1">
+                <a:solidFill>
+                  <a:srgbClr val="FF0000"/>
+                </a:solidFill>
+              </a:rPr>
+              <a:t>tessQuadHs</a:t>
+            </a:r>
+            <a:r>
+              <a:rPr lang="en-US" dirty="0"/>
+              <a:t>,</a:t>
+            </a:r>
+          </a:p>
+          <a:p>
+            <a:pPr marL="0" indent="0">
+              <a:buNone/>
+            </a:pPr>
+            <a:r>
+              <a:rPr lang="en-US" dirty="0"/>
+              <a:t>ds=</a:t>
+            </a:r>
+            <a:r>
+              <a:rPr lang="en-US" dirty="0" err="1"/>
+              <a:t>shaders.</a:t>
+            </a:r>
+            <a:r>
+              <a:rPr lang="en-US" dirty="0" err="1">
+                <a:solidFill>
+                  <a:srgbClr val="FF0000"/>
+                </a:solidFill>
+              </a:rPr>
+              <a:t>tessQuadDs</a:t>
+            </a:r>
+            <a:r>
+              <a:rPr lang="en-US" dirty="0"/>
+              <a:t>,</a:t>
+            </a:r>
+          </a:p>
+          <a:p>
+            <a:pPr marL="0" indent="0">
+              <a:buNone/>
+            </a:pPr>
+            <a:r>
+              <a:rPr lang="en-US" dirty="0" err="1"/>
+              <a:t>ps</a:t>
+            </a:r>
+            <a:r>
+              <a:rPr lang="en-US" dirty="0"/>
+              <a:t>=shaders.ps}, function(_)</a:t>
+            </a:r>
+          </a:p>
+          <a:p>
+            <a:pPr marL="0" indent="0">
+              <a:buNone/>
+            </a:pPr>
+            <a:r>
+              <a:rPr lang="en-US" dirty="0"/>
+              <a:t>  O:setTexture2D(_, {file='giraffe.jpg'})</a:t>
+            </a:r>
+          </a:p>
+          <a:p>
+            <a:pPr marL="0" indent="0">
+              <a:buNone/>
+            </a:pPr>
+            <a:r>
+              <a:rPr lang="en-US" dirty="0"/>
+              <a:t>  O:setTextureCube(_, {file='</a:t>
+            </a:r>
+            <a:r>
+              <a:rPr lang="en-US" dirty="0" err="1"/>
+              <a:t>cloudynoon.dds</a:t>
+            </a:r>
+            <a:r>
+              <a:rPr lang="en-US" dirty="0"/>
+              <a:t>'})</a:t>
+            </a:r>
+          </a:p>
+          <a:p>
+            <a:pPr marL="0" indent="0">
+              <a:buNone/>
+            </a:pPr>
+            <a:r>
+              <a:rPr lang="en-US" dirty="0"/>
+              <a:t>end )</a:t>
+            </a:r>
+            <a:endParaRPr lang="en-US" dirty="0"/>
+          </a:p>
+        </p:txBody>
+      </p:sp>
+    </p:spTree>
+    <p:extLst>
+      <p:ext uri="{BB962C8B-B14F-4D97-AF65-F5344CB8AC3E}">
+        <p14:creationId xmlns:p14="http://schemas.microsoft.com/office/powerpoint/2010/main" val="2540815974"/>
       </p:ext>
     </p:extLst>
   </p:cSld>

--- a/Slides/ggl012-Script.pptx
+++ b/Slides/ggl012-Script.pptx
@@ -250,7 +250,7 @@
             <a:fld id="{C0D025BB-35D5-419D-8ED2-E5EDB67F143A}" type="datetimeFigureOut">
               <a:rPr lang="en-US" smtClean="0"/>
               <a:pPr/>
-              <a:t>11/27/2019</a:t>
+              <a:t>10/21/2020</a:t>
             </a:fld>
             <a:endParaRPr lang="en-US"/>
           </a:p>
@@ -1248,7 +1248,7 @@
             <a:fld id="{77DAEA1A-6276-4434-840E-9C81C04BC3C1}" type="datetimeFigureOut">
               <a:rPr lang="en-US" smtClean="0"/>
               <a:pPr/>
-              <a:t>11/27/2019</a:t>
+              <a:t>10/21/2020</a:t>
             </a:fld>
             <a:endParaRPr lang="en-US"/>
           </a:p>
@@ -1708,6 +1708,13 @@
   <p:clrMapOvr>
     <a:masterClrMapping/>
   </p:clrMapOvr>
+  <p:timing>
+    <p:tnLst>
+      <p:par>
+        <p:cTn id="1" dur="indefinite" restart="never" nodeType="tmRoot"/>
+      </p:par>
+    </p:tnLst>
+  </p:timing>
 </p:sld>
 </file>
 
@@ -6474,6 +6481,13 @@
   <p:clrMapOvr>
     <a:masterClrMapping/>
   </p:clrMapOvr>
+  <p:timing>
+    <p:tnLst>
+      <p:par>
+        <p:cTn id="1" dur="indefinite" restart="never" nodeType="tmRoot"/>
+      </p:par>
+    </p:tnLst>
+  </p:timing>
 </p:sld>
 </file>
 
@@ -6681,6 +6695,13 @@
   <p:clrMapOvr>
     <a:masterClrMapping/>
   </p:clrMapOvr>
+  <p:timing>
+    <p:tnLst>
+      <p:par>
+        <p:cTn id="1" dur="indefinite" restart="never" nodeType="tmRoot"/>
+      </p:par>
+    </p:tnLst>
+  </p:timing>
 </p:sld>
 </file>
 
@@ -6802,6 +6823,13 @@
   <p:clrMapOvr>
     <a:masterClrMapping/>
   </p:clrMapOvr>
+  <p:timing>
+    <p:tnLst>
+      <p:par>
+        <p:cTn id="1" dur="indefinite" restart="never" nodeType="tmRoot"/>
+      </p:par>
+    </p:tnLst>
+  </p:timing>
 </p:sld>
 </file>
 
@@ -6925,6 +6953,13 @@
   <p:clrMapOvr>
     <a:masterClrMapping/>
   </p:clrMapOvr>
+  <p:timing>
+    <p:tnLst>
+      <p:par>
+        <p:cTn id="1" dur="indefinite" restart="never" nodeType="tmRoot"/>
+      </p:par>
+    </p:tnLst>
+  </p:timing>
 </p:sld>
 </file>
 
@@ -7020,7 +7055,15 @@
             <a:pPr lvl="2"/>
             <a:r>
               <a:rPr lang="hu-HU" dirty="0" smtClean="0"/>
-              <a:t>per-control-point nem csinál semmit, csak továbbdja a vertexet</a:t>
+              <a:t>per-control-point nem csinál semmit, csak </a:t>
+            </a:r>
+            <a:r>
+              <a:rPr lang="hu-HU" dirty="0" smtClean="0"/>
+              <a:t>továbbadja </a:t>
+            </a:r>
+            <a:r>
+              <a:rPr lang="hu-HU" dirty="0" smtClean="0"/>
+              <a:t>a vertexet</a:t>
             </a:r>
           </a:p>
           <a:p>
@@ -7034,7 +7077,15 @@
             <a:pPr lvl="2"/>
             <a:r>
               <a:rPr lang="hu-HU" dirty="0" smtClean="0"/>
-              <a:t>a tesszelláció áltla lerakott köztes pontokat helyezi el</a:t>
+              <a:t>a tesszelláció </a:t>
+            </a:r>
+            <a:r>
+              <a:rPr lang="hu-HU" dirty="0" smtClean="0"/>
+              <a:t>által </a:t>
+            </a:r>
+            <a:r>
+              <a:rPr lang="hu-HU" dirty="0" smtClean="0"/>
+              <a:t>lerakott köztes pontokat helyezi el</a:t>
             </a:r>
           </a:p>
           <a:p>
@@ -7066,6 +7117,13 @@
   <p:clrMapOvr>
     <a:masterClrMapping/>
   </p:clrMapOvr>
+  <p:timing>
+    <p:tnLst>
+      <p:par>
+        <p:cTn id="1" dur="indefinite" restart="never" nodeType="tmRoot"/>
+      </p:par>
+    </p:tnLst>
+  </p:timing>
 </p:sld>
 </file>
 
@@ -7409,6 +7467,13 @@
   <p:clrMapOvr>
     <a:masterClrMapping/>
   </p:clrMapOvr>
+  <p:timing>
+    <p:tnLst>
+      <p:par>
+        <p:cTn id="1" dur="indefinite" restart="never" nodeType="tmRoot"/>
+      </p:par>
+    </p:tnLst>
+  </p:timing>
 </p:sld>
 </file>
 
@@ -7569,6 +7634,13 @@
   <p:clrMapOvr>
     <a:masterClrMapping/>
   </p:clrMapOvr>
+  <p:timing>
+    <p:tnLst>
+      <p:par>
+        <p:cTn id="1" dur="indefinite" restart="never" nodeType="tmRoot"/>
+      </p:par>
+    </p:tnLst>
+  </p:timing>
 </p:sld>
 </file>
 
@@ -7880,6 +7952,13 @@
   <p:clrMapOvr>
     <a:masterClrMapping/>
   </p:clrMapOvr>
+  <p:timing>
+    <p:tnLst>
+      <p:par>
+        <p:cTn id="1" dur="indefinite" restart="never" nodeType="tmRoot"/>
+      </p:par>
+    </p:tnLst>
+  </p:timing>
 </p:sld>
 </file>
 
@@ -8072,6 +8151,13 @@
   <p:clrMapOvr>
     <a:masterClrMapping/>
   </p:clrMapOvr>
+  <p:timing>
+    <p:tnLst>
+      <p:par>
+        <p:cTn id="1" dur="indefinite" restart="never" nodeType="tmRoot"/>
+      </p:par>
+    </p:tnLst>
+  </p:timing>
 </p:sld>
 </file>
 
@@ -8410,6 +8496,13 @@
   <p:clrMapOvr>
     <a:masterClrMapping/>
   </p:clrMapOvr>
+  <p:timing>
+    <p:tnLst>
+      <p:par>
+        <p:cTn id="1" dur="indefinite" restart="never" nodeType="tmRoot"/>
+      </p:par>
+    </p:tnLst>
+  </p:timing>
 </p:sld>
 </file>
 
@@ -8737,6 +8830,13 @@
   <p:clrMapOvr>
     <a:masterClrMapping/>
   </p:clrMapOvr>
+  <p:timing>
+    <p:tnLst>
+      <p:par>
+        <p:cTn id="1" dur="indefinite" restart="never" nodeType="tmRoot"/>
+      </p:par>
+    </p:tnLst>
+  </p:timing>
 </p:sld>
 </file>
 
@@ -9040,6 +9140,13 @@
   <p:clrMapOvr>
     <a:masterClrMapping/>
   </p:clrMapOvr>
+  <p:timing>
+    <p:tnLst>
+      <p:par>
+        <p:cTn id="1" dur="indefinite" restart="never" nodeType="tmRoot"/>
+      </p:par>
+    </p:tnLst>
+  </p:timing>
 </p:sld>
 </file>
 
@@ -9267,6 +9374,13 @@
   <p:clrMapOvr>
     <a:masterClrMapping/>
   </p:clrMapOvr>
+  <p:timing>
+    <p:tnLst>
+      <p:par>
+        <p:cTn id="1" dur="indefinite" restart="never" nodeType="tmRoot"/>
+      </p:par>
+    </p:tnLst>
+  </p:timing>
 </p:sld>
 </file>
 
@@ -9410,6 +9524,13 @@
   <p:clrMapOvr>
     <a:masterClrMapping/>
   </p:clrMapOvr>
+  <p:timing>
+    <p:tnLst>
+      <p:par>
+        <p:cTn id="1" dur="indefinite" restart="never" nodeType="tmRoot"/>
+      </p:par>
+    </p:tnLst>
+  </p:timing>
 </p:sld>
 </file>
 
@@ -9597,6 +9718,13 @@
   <p:clrMapOvr>
     <a:masterClrMapping/>
   </p:clrMapOvr>
+  <p:timing>
+    <p:tnLst>
+      <p:par>
+        <p:cTn id="1" dur="indefinite" restart="never" nodeType="tmRoot"/>
+      </p:par>
+    </p:tnLst>
+  </p:timing>
 </p:sld>
 </file>
 
@@ -9712,6 +9840,13 @@
   <p:clrMapOvr>
     <a:masterClrMapping/>
   </p:clrMapOvr>
+  <p:timing>
+    <p:tnLst>
+      <p:par>
+        <p:cTn id="1" dur="indefinite" restart="never" nodeType="tmRoot"/>
+      </p:par>
+    </p:tnLst>
+  </p:timing>
 </p:sld>
 </file>
 
@@ -10077,6 +10212,13 @@
   <p:clrMapOvr>
     <a:masterClrMapping/>
   </p:clrMapOvr>
+  <p:timing>
+    <p:tnLst>
+      <p:par>
+        <p:cTn id="1" dur="indefinite" restart="never" nodeType="tmRoot"/>
+      </p:par>
+    </p:tnLst>
+  </p:timing>
 </p:sld>
 </file>
 
@@ -10160,7 +10302,15 @@
                   <a:srgbClr val="FF0066"/>
                 </a:solidFill>
               </a:rPr>
-              <a:t>= { [1]=2, ["</a:t>
+              <a:t>= { [1]=2, </a:t>
+            </a:r>
+            <a:r>
+              <a:rPr lang="en-US" dirty="0" smtClean="0">
+                <a:solidFill>
+                  <a:srgbClr val="FF0066"/>
+                </a:solidFill>
+              </a:rPr>
+              <a:t>["</a:t>
             </a:r>
             <a:r>
               <a:rPr lang="en-US" dirty="0" err="1" smtClean="0">
@@ -10176,7 +10326,15 @@
                   <a:srgbClr val="FF0066"/>
                 </a:solidFill>
               </a:rPr>
-              <a:t>"]=4, [5]="</a:t>
+              <a:t>"]=4</a:t>
+            </a:r>
+            <a:r>
+              <a:rPr lang="en-US" dirty="0" smtClean="0">
+                <a:solidFill>
+                  <a:srgbClr val="FF0066"/>
+                </a:solidFill>
+              </a:rPr>
+              <a:t>, [5]="</a:t>
             </a:r>
             <a:r>
               <a:rPr lang="en-US" dirty="0" err="1" smtClean="0">
@@ -10647,6 +10805,13 @@
   <p:clrMapOvr>
     <a:masterClrMapping/>
   </p:clrMapOvr>
+  <p:timing>
+    <p:tnLst>
+      <p:par>
+        <p:cTn id="1" dur="indefinite" restart="never" nodeType="tmRoot"/>
+      </p:par>
+    </p:tnLst>
+  </p:timing>
 </p:sld>
 </file>
 
@@ -10796,6 +10961,13 @@
   <p:clrMapOvr>
     <a:masterClrMapping/>
   </p:clrMapOvr>
+  <p:timing>
+    <p:tnLst>
+      <p:par>
+        <p:cTn id="1" dur="indefinite" restart="never" nodeType="tmRoot"/>
+      </p:par>
+    </p:tnLst>
+  </p:timing>
 </p:sld>
 </file>
 
@@ -10995,7 +11167,6 @@
               <a:rPr lang="en-US" dirty="0"/>
               <a:t>end )</a:t>
             </a:r>
-            <a:endParaRPr lang="en-US" dirty="0"/>
           </a:p>
         </p:txBody>
       </p:sp>
@@ -11009,6 +11180,13 @@
   <p:clrMapOvr>
     <a:masterClrMapping/>
   </p:clrMapOvr>
+  <p:timing>
+    <p:tnLst>
+      <p:par>
+        <p:cTn id="1" dur="indefinite" restart="never" nodeType="tmRoot"/>
+      </p:par>
+    </p:tnLst>
+  </p:timing>
 </p:sld>
 </file>
 
